--- a/project1_ppt/연봉, 급여, 보너스_지급예정일수정 삭제+연봉UI수정ver.pptx
+++ b/project1_ppt/연봉, 급여, 보너스_지급예정일수정 삭제+연봉UI수정ver.pptx
@@ -203,7 +203,7 @@
           <a:p>
             <a:fld id="{4101E1FB-7C29-4BE4-8539-31DEB133CF51}" type="datetimeFigureOut">
               <a:rPr lang="ko-KR" altLang="en-US" smtClean="0"/>
-              <a:t>2025-10-20</a:t>
+              <a:t>2025-10-22</a:t>
             </a:fld>
             <a:endParaRPr lang="ko-KR" altLang="en-US"/>
           </a:p>
@@ -1061,7 +1061,7 @@
           <a:p>
             <a:fld id="{89DA80E3-BAB3-4786-852E-ECC3BED61E68}" type="datetimeFigureOut">
               <a:rPr lang="ko-KR" altLang="en-US" smtClean="0"/>
-              <a:t>2025-10-20</a:t>
+              <a:t>2025-10-22</a:t>
             </a:fld>
             <a:endParaRPr lang="ko-KR" altLang="en-US"/>
           </a:p>
@@ -1259,7 +1259,7 @@
           <a:p>
             <a:fld id="{89DA80E3-BAB3-4786-852E-ECC3BED61E68}" type="datetimeFigureOut">
               <a:rPr lang="ko-KR" altLang="en-US" smtClean="0"/>
-              <a:t>2025-10-20</a:t>
+              <a:t>2025-10-22</a:t>
             </a:fld>
             <a:endParaRPr lang="ko-KR" altLang="en-US"/>
           </a:p>
@@ -1467,7 +1467,7 @@
           <a:p>
             <a:fld id="{89DA80E3-BAB3-4786-852E-ECC3BED61E68}" type="datetimeFigureOut">
               <a:rPr lang="ko-KR" altLang="en-US" smtClean="0"/>
-              <a:t>2025-10-20</a:t>
+              <a:t>2025-10-22</a:t>
             </a:fld>
             <a:endParaRPr lang="ko-KR" altLang="en-US"/>
           </a:p>
@@ -1665,7 +1665,7 @@
           <a:p>
             <a:fld id="{89DA80E3-BAB3-4786-852E-ECC3BED61E68}" type="datetimeFigureOut">
               <a:rPr lang="ko-KR" altLang="en-US" smtClean="0"/>
-              <a:t>2025-10-20</a:t>
+              <a:t>2025-10-22</a:t>
             </a:fld>
             <a:endParaRPr lang="ko-KR" altLang="en-US"/>
           </a:p>
@@ -1940,7 +1940,7 @@
           <a:p>
             <a:fld id="{89DA80E3-BAB3-4786-852E-ECC3BED61E68}" type="datetimeFigureOut">
               <a:rPr lang="ko-KR" altLang="en-US" smtClean="0"/>
-              <a:t>2025-10-20</a:t>
+              <a:t>2025-10-22</a:t>
             </a:fld>
             <a:endParaRPr lang="ko-KR" altLang="en-US"/>
           </a:p>
@@ -2205,7 +2205,7 @@
           <a:p>
             <a:fld id="{89DA80E3-BAB3-4786-852E-ECC3BED61E68}" type="datetimeFigureOut">
               <a:rPr lang="ko-KR" altLang="en-US" smtClean="0"/>
-              <a:t>2025-10-20</a:t>
+              <a:t>2025-10-22</a:t>
             </a:fld>
             <a:endParaRPr lang="ko-KR" altLang="en-US"/>
           </a:p>
@@ -2617,7 +2617,7 @@
           <a:p>
             <a:fld id="{89DA80E3-BAB3-4786-852E-ECC3BED61E68}" type="datetimeFigureOut">
               <a:rPr lang="ko-KR" altLang="en-US" smtClean="0"/>
-              <a:t>2025-10-20</a:t>
+              <a:t>2025-10-22</a:t>
             </a:fld>
             <a:endParaRPr lang="ko-KR" altLang="en-US"/>
           </a:p>
@@ -2758,7 +2758,7 @@
           <a:p>
             <a:fld id="{89DA80E3-BAB3-4786-852E-ECC3BED61E68}" type="datetimeFigureOut">
               <a:rPr lang="ko-KR" altLang="en-US" smtClean="0"/>
-              <a:t>2025-10-20</a:t>
+              <a:t>2025-10-22</a:t>
             </a:fld>
             <a:endParaRPr lang="ko-KR" altLang="en-US"/>
           </a:p>
@@ -2871,7 +2871,7 @@
           <a:p>
             <a:fld id="{89DA80E3-BAB3-4786-852E-ECC3BED61E68}" type="datetimeFigureOut">
               <a:rPr lang="ko-KR" altLang="en-US" smtClean="0"/>
-              <a:t>2025-10-20</a:t>
+              <a:t>2025-10-22</a:t>
             </a:fld>
             <a:endParaRPr lang="ko-KR" altLang="en-US"/>
           </a:p>
@@ -3182,7 +3182,7 @@
           <a:p>
             <a:fld id="{89DA80E3-BAB3-4786-852E-ECC3BED61E68}" type="datetimeFigureOut">
               <a:rPr lang="ko-KR" altLang="en-US" smtClean="0"/>
-              <a:t>2025-10-20</a:t>
+              <a:t>2025-10-22</a:t>
             </a:fld>
             <a:endParaRPr lang="ko-KR" altLang="en-US"/>
           </a:p>
@@ -3470,7 +3470,7 @@
           <a:p>
             <a:fld id="{89DA80E3-BAB3-4786-852E-ECC3BED61E68}" type="datetimeFigureOut">
               <a:rPr lang="ko-KR" altLang="en-US" smtClean="0"/>
-              <a:t>2025-10-20</a:t>
+              <a:t>2025-10-22</a:t>
             </a:fld>
             <a:endParaRPr lang="ko-KR" altLang="en-US"/>
           </a:p>
@@ -3711,7 +3711,7 @@
           <a:p>
             <a:fld id="{89DA80E3-BAB3-4786-852E-ECC3BED61E68}" type="datetimeFigureOut">
               <a:rPr lang="ko-KR" altLang="en-US" smtClean="0"/>
-              <a:t>2025-10-20</a:t>
+              <a:t>2025-10-22</a:t>
             </a:fld>
             <a:endParaRPr lang="ko-KR" altLang="en-US"/>
           </a:p>
@@ -6399,7 +6399,7 @@
                 <a:latin typeface="빙그레 메로나체" panose="020B0803000000000000" pitchFamily="34" charset="-127"/>
                 <a:ea typeface="빙그레 메로나체" panose="020B0803000000000000" pitchFamily="34" charset="-127"/>
               </a:rPr>
-              <a:t> 10</a:t>
+              <a:t> 25</a:t>
             </a:r>
             <a:r>
               <a:rPr lang="ko-KR" altLang="en-US" sz="2000" dirty="0">
@@ -8661,7 +8661,7 @@
             </a:r>
             <a:r>
               <a:rPr lang="en-US" altLang="ko-KR" dirty="0"/>
-              <a:t>	2025-10-10 00:08:00	~~~</a:t>
+              <a:t>	2025-10-25 		~~~</a:t>
             </a:r>
           </a:p>
           <a:p>
@@ -8678,7 +8678,7 @@
             </a:r>
             <a:r>
               <a:rPr lang="en-US" altLang="ko-KR" dirty="0"/>
-              <a:t>	2025-10-10 00:08:00	~~~</a:t>
+              <a:t>	2025-10-25		~~~</a:t>
             </a:r>
           </a:p>
           <a:p>
@@ -8695,7 +8695,7 @@
             </a:r>
             <a:r>
               <a:rPr lang="en-US" altLang="ko-KR" dirty="0"/>
-              <a:t>	2025-10-10 00:08:00	~~~</a:t>
+              <a:t>	2025-10-25		~~~</a:t>
             </a:r>
           </a:p>
           <a:p>
@@ -8712,7 +8712,7 @@
             </a:r>
             <a:r>
               <a:rPr lang="en-US" altLang="ko-KR" dirty="0"/>
-              <a:t>	2025-10-10 00:08:00	~~~</a:t>
+              <a:t>	2025-10-25		~~~</a:t>
             </a:r>
           </a:p>
         </p:txBody>
@@ -10747,7 +10747,7 @@
               <a:t>	</a:t>
             </a:r>
             <a:r>
-              <a:rPr lang="ko-KR" altLang="en-US" dirty="0"/>
+              <a:rPr lang="ko-KR" altLang="en-US"/>
               <a:t>실지급액</a:t>
             </a:r>
             <a:endParaRPr lang="en-US" altLang="ko-KR" dirty="0"/>
@@ -10766,7 +10766,7 @@
             </a:r>
             <a:r>
               <a:rPr lang="en-US" altLang="ko-KR" dirty="0"/>
-              <a:t>	2025-10-10 00:08:00	~~~</a:t>
+              <a:t>	2025-10-25		~~~</a:t>
             </a:r>
           </a:p>
           <a:p>
@@ -10783,7 +10783,7 @@
             </a:r>
             <a:r>
               <a:rPr lang="en-US" altLang="ko-KR" dirty="0"/>
-              <a:t>	2025-10-10 00:08:00	~~~</a:t>
+              <a:t>	2025-10-25		~~~</a:t>
             </a:r>
           </a:p>
         </p:txBody>
@@ -11164,7 +11164,7 @@
         <p:spPr>
           <a:xfrm>
             <a:off x="11205281" y="3603486"/>
-            <a:ext cx="5546711" cy="1200329"/>
+            <a:ext cx="5546711" cy="1477328"/>
           </a:xfrm>
           <a:prstGeom prst="rect">
             <a:avLst/>
@@ -11245,6 +11245,9 @@
               <a:rPr lang="en-US" altLang="ko-KR" dirty="0"/>
               <a:t>.</a:t>
             </a:r>
+          </a:p>
+          <a:p>
+            <a:endParaRPr lang="en-US" altLang="ko-KR" dirty="0"/>
           </a:p>
         </p:txBody>
       </p:sp>

--- a/project1_ppt/연봉, 급여, 보너스_지급예정일수정 삭제+연봉UI수정ver.pptx
+++ b/project1_ppt/연봉, 급여, 보너스_지급예정일수정 삭제+연봉UI수정ver.pptx
@@ -203,7 +203,7 @@
           <a:p>
             <a:fld id="{4101E1FB-7C29-4BE4-8539-31DEB133CF51}" type="datetimeFigureOut">
               <a:rPr lang="ko-KR" altLang="en-US" smtClean="0"/>
-              <a:t>2025-10-22</a:t>
+              <a:t>2025-10-23</a:t>
             </a:fld>
             <a:endParaRPr lang="ko-KR" altLang="en-US"/>
           </a:p>
@@ -1061,7 +1061,7 @@
           <a:p>
             <a:fld id="{89DA80E3-BAB3-4786-852E-ECC3BED61E68}" type="datetimeFigureOut">
               <a:rPr lang="ko-KR" altLang="en-US" smtClean="0"/>
-              <a:t>2025-10-22</a:t>
+              <a:t>2025-10-23</a:t>
             </a:fld>
             <a:endParaRPr lang="ko-KR" altLang="en-US"/>
           </a:p>
@@ -1259,7 +1259,7 @@
           <a:p>
             <a:fld id="{89DA80E3-BAB3-4786-852E-ECC3BED61E68}" type="datetimeFigureOut">
               <a:rPr lang="ko-KR" altLang="en-US" smtClean="0"/>
-              <a:t>2025-10-22</a:t>
+              <a:t>2025-10-23</a:t>
             </a:fld>
             <a:endParaRPr lang="ko-KR" altLang="en-US"/>
           </a:p>
@@ -1467,7 +1467,7 @@
           <a:p>
             <a:fld id="{89DA80E3-BAB3-4786-852E-ECC3BED61E68}" type="datetimeFigureOut">
               <a:rPr lang="ko-KR" altLang="en-US" smtClean="0"/>
-              <a:t>2025-10-22</a:t>
+              <a:t>2025-10-23</a:t>
             </a:fld>
             <a:endParaRPr lang="ko-KR" altLang="en-US"/>
           </a:p>
@@ -1665,7 +1665,7 @@
           <a:p>
             <a:fld id="{89DA80E3-BAB3-4786-852E-ECC3BED61E68}" type="datetimeFigureOut">
               <a:rPr lang="ko-KR" altLang="en-US" smtClean="0"/>
-              <a:t>2025-10-22</a:t>
+              <a:t>2025-10-23</a:t>
             </a:fld>
             <a:endParaRPr lang="ko-KR" altLang="en-US"/>
           </a:p>
@@ -1940,7 +1940,7 @@
           <a:p>
             <a:fld id="{89DA80E3-BAB3-4786-852E-ECC3BED61E68}" type="datetimeFigureOut">
               <a:rPr lang="ko-KR" altLang="en-US" smtClean="0"/>
-              <a:t>2025-10-22</a:t>
+              <a:t>2025-10-23</a:t>
             </a:fld>
             <a:endParaRPr lang="ko-KR" altLang="en-US"/>
           </a:p>
@@ -2205,7 +2205,7 @@
           <a:p>
             <a:fld id="{89DA80E3-BAB3-4786-852E-ECC3BED61E68}" type="datetimeFigureOut">
               <a:rPr lang="ko-KR" altLang="en-US" smtClean="0"/>
-              <a:t>2025-10-22</a:t>
+              <a:t>2025-10-23</a:t>
             </a:fld>
             <a:endParaRPr lang="ko-KR" altLang="en-US"/>
           </a:p>
@@ -2617,7 +2617,7 @@
           <a:p>
             <a:fld id="{89DA80E3-BAB3-4786-852E-ECC3BED61E68}" type="datetimeFigureOut">
               <a:rPr lang="ko-KR" altLang="en-US" smtClean="0"/>
-              <a:t>2025-10-22</a:t>
+              <a:t>2025-10-23</a:t>
             </a:fld>
             <a:endParaRPr lang="ko-KR" altLang="en-US"/>
           </a:p>
@@ -2758,7 +2758,7 @@
           <a:p>
             <a:fld id="{89DA80E3-BAB3-4786-852E-ECC3BED61E68}" type="datetimeFigureOut">
               <a:rPr lang="ko-KR" altLang="en-US" smtClean="0"/>
-              <a:t>2025-10-22</a:t>
+              <a:t>2025-10-23</a:t>
             </a:fld>
             <a:endParaRPr lang="ko-KR" altLang="en-US"/>
           </a:p>
@@ -2871,7 +2871,7 @@
           <a:p>
             <a:fld id="{89DA80E3-BAB3-4786-852E-ECC3BED61E68}" type="datetimeFigureOut">
               <a:rPr lang="ko-KR" altLang="en-US" smtClean="0"/>
-              <a:t>2025-10-22</a:t>
+              <a:t>2025-10-23</a:t>
             </a:fld>
             <a:endParaRPr lang="ko-KR" altLang="en-US"/>
           </a:p>
@@ -3182,7 +3182,7 @@
           <a:p>
             <a:fld id="{89DA80E3-BAB3-4786-852E-ECC3BED61E68}" type="datetimeFigureOut">
               <a:rPr lang="ko-KR" altLang="en-US" smtClean="0"/>
-              <a:t>2025-10-22</a:t>
+              <a:t>2025-10-23</a:t>
             </a:fld>
             <a:endParaRPr lang="ko-KR" altLang="en-US"/>
           </a:p>
@@ -3470,7 +3470,7 @@
           <a:p>
             <a:fld id="{89DA80E3-BAB3-4786-852E-ECC3BED61E68}" type="datetimeFigureOut">
               <a:rPr lang="ko-KR" altLang="en-US" smtClean="0"/>
-              <a:t>2025-10-22</a:t>
+              <a:t>2025-10-23</a:t>
             </a:fld>
             <a:endParaRPr lang="ko-KR" altLang="en-US"/>
           </a:p>
@@ -3711,7 +3711,7 @@
           <a:p>
             <a:fld id="{89DA80E3-BAB3-4786-852E-ECC3BED61E68}" type="datetimeFigureOut">
               <a:rPr lang="ko-KR" altLang="en-US" smtClean="0"/>
-              <a:t>2025-10-22</a:t>
+              <a:t>2025-10-23</a:t>
             </a:fld>
             <a:endParaRPr lang="ko-KR" altLang="en-US"/>
           </a:p>
@@ -8395,7 +8395,7 @@
           <a:p>
             <a:r>
               <a:rPr lang="en-US" altLang="ko-KR" dirty="0"/>
-              <a:t>20			2025-10-12	null</a:t>
+              <a:t>200000			2025-10-12	null</a:t>
             </a:r>
           </a:p>
           <a:p>
@@ -8404,7 +8404,7 @@
           <a:p>
             <a:r>
               <a:rPr lang="en-US" altLang="ko-KR" dirty="0"/>
-              <a:t>30			2025-10-15	</a:t>
+              <a:t>300000			2025-10-15	</a:t>
             </a:r>
             <a:r>
               <a:rPr lang="ko-KR" altLang="en-US" dirty="0"/>
@@ -8418,7 +8418,7 @@
           <a:p>
             <a:r>
               <a:rPr lang="en-US" altLang="ko-KR" dirty="0"/>
-              <a:t>50			2025-10-23	</a:t>
+              <a:t>500000			2025-10-23	</a:t>
             </a:r>
             <a:r>
               <a:rPr lang="ko-KR" altLang="en-US" dirty="0"/>
@@ -9079,7 +9079,7 @@
         </p:nvSpPr>
         <p:spPr>
           <a:xfrm>
-            <a:off x="544415" y="2357028"/>
+            <a:off x="8940234" y="2407195"/>
             <a:ext cx="1689737" cy="341746"/>
           </a:xfrm>
           <a:prstGeom prst="roundRect">
@@ -9109,18 +9109,13 @@
           <a:p>
             <a:pPr algn="ctr"/>
             <a:r>
-              <a:rPr lang="ko-KR" altLang="en-US">
+              <a:rPr lang="ko-KR" altLang="en-US" dirty="0">
                 <a:solidFill>
                   <a:schemeClr val="tx1"/>
                 </a:solidFill>
               </a:rPr>
               <a:t>지급기록검색</a:t>
             </a:r>
-            <a:endParaRPr lang="ko-KR" altLang="en-US" dirty="0">
-              <a:solidFill>
-                <a:schemeClr val="tx1"/>
-              </a:solidFill>
-            </a:endParaRPr>
           </a:p>
         </p:txBody>
       </p:sp>
@@ -9254,18 +9249,13 @@
         </p:nvSpPr>
         <p:spPr>
           <a:xfrm>
-            <a:off x="2351474" y="2357028"/>
+            <a:off x="7331258" y="2407195"/>
             <a:ext cx="1404692" cy="341746"/>
           </a:xfrm>
           <a:prstGeom prst="roundRect">
             <a:avLst/>
           </a:prstGeom>
-          <a:solidFill>
-            <a:schemeClr val="accent2">
-              <a:lumMod val="40000"/>
-              <a:lumOff val="60000"/>
-            </a:schemeClr>
-          </a:solidFill>
+          <a:noFill/>
         </p:spPr>
         <p:style>
           <a:lnRef idx="2">
@@ -11092,10 +11082,159 @@
       </p:sp>
       <p:sp>
         <p:nvSpPr>
-          <p:cNvPr id="15" name="사각형: 둥근 모서리 14">
-            <a:extLst>
-              <a:ext uri="{FF2B5EF4-FFF2-40B4-BE49-F238E27FC236}">
-                <a16:creationId xmlns:a16="http://schemas.microsoft.com/office/drawing/2014/main" id="{66C530A7-3324-BF34-ABCA-8E7F4F2B3409}"/>
+          <p:cNvPr id="3" name="TextBox 2">
+            <a:extLst>
+              <a:ext uri="{FF2B5EF4-FFF2-40B4-BE49-F238E27FC236}">
+                <a16:creationId xmlns:a16="http://schemas.microsoft.com/office/drawing/2014/main" id="{7B283C15-E418-AF20-51B5-BAF0D1795DA3}"/>
+              </a:ext>
+            </a:extLst>
+          </p:cNvPr>
+          <p:cNvSpPr txBox="1"/>
+          <p:nvPr/>
+        </p:nvSpPr>
+        <p:spPr>
+          <a:xfrm>
+            <a:off x="11205281" y="3603486"/>
+            <a:ext cx="5546711" cy="1477328"/>
+          </a:xfrm>
+          <a:prstGeom prst="rect">
+            <a:avLst/>
+          </a:prstGeom>
+          <a:noFill/>
+        </p:spPr>
+        <p:txBody>
+          <a:bodyPr wrap="none" rtlCol="0">
+            <a:spAutoFit/>
+          </a:bodyPr>
+          <a:lstStyle/>
+          <a:p>
+            <a:r>
+              <a:rPr lang="ko-KR" altLang="en-US" dirty="0"/>
+              <a:t>검색이 적용된 후 화면이다</a:t>
+            </a:r>
+            <a:r>
+              <a:rPr lang="en-US" altLang="ko-KR" dirty="0"/>
+              <a:t>.</a:t>
+            </a:r>
+          </a:p>
+          <a:p>
+            <a:r>
+              <a:rPr lang="ko-KR" altLang="en-US" dirty="0"/>
+              <a:t>검색이 적용되면 </a:t>
+            </a:r>
+            <a:r>
+              <a:rPr lang="en-US" altLang="ko-KR" dirty="0"/>
+              <a:t>‘</a:t>
+            </a:r>
+            <a:r>
+              <a:rPr lang="ko-KR" altLang="en-US" dirty="0"/>
+              <a:t>검색초기화</a:t>
+            </a:r>
+            <a:r>
+              <a:rPr lang="en-US" altLang="ko-KR" dirty="0"/>
+              <a:t>’</a:t>
+            </a:r>
+            <a:r>
+              <a:rPr lang="ko-KR" altLang="en-US" dirty="0"/>
+              <a:t>버튼이 나오게 되며</a:t>
+            </a:r>
+            <a:endParaRPr lang="en-US" altLang="ko-KR" dirty="0"/>
+          </a:p>
+          <a:p>
+            <a:r>
+              <a:rPr lang="en-US" altLang="ko-KR" dirty="0"/>
+              <a:t>‘</a:t>
+            </a:r>
+            <a:r>
+              <a:rPr lang="ko-KR" altLang="en-US" dirty="0"/>
+              <a:t>검색초기화</a:t>
+            </a:r>
+            <a:r>
+              <a:rPr lang="en-US" altLang="ko-KR" dirty="0"/>
+              <a:t>’</a:t>
+            </a:r>
+            <a:r>
+              <a:rPr lang="ko-KR" altLang="en-US" dirty="0"/>
+              <a:t>버튼을 클릭 시 커맨드가 적용되지 않은</a:t>
+            </a:r>
+            <a:endParaRPr lang="en-US" altLang="ko-KR" dirty="0"/>
+          </a:p>
+          <a:p>
+            <a:r>
+              <a:rPr lang="ko-KR" altLang="en-US" dirty="0"/>
+              <a:t>초기의 지급기록을</a:t>
+            </a:r>
+            <a:r>
+              <a:rPr lang="en-US" altLang="ko-KR" dirty="0"/>
+              <a:t> </a:t>
+            </a:r>
+            <a:r>
+              <a:rPr lang="ko-KR" altLang="en-US" dirty="0"/>
+              <a:t>보여주게 된다</a:t>
+            </a:r>
+            <a:r>
+              <a:rPr lang="en-US" altLang="ko-KR" dirty="0"/>
+              <a:t>.</a:t>
+            </a:r>
+          </a:p>
+          <a:p>
+            <a:endParaRPr lang="en-US" altLang="ko-KR" dirty="0"/>
+          </a:p>
+        </p:txBody>
+      </p:sp>
+      <p:pic>
+        <p:nvPicPr>
+          <p:cNvPr id="2" name="Picture 4" descr="엑스 ">
+            <a:extLst>
+              <a:ext uri="{FF2B5EF4-FFF2-40B4-BE49-F238E27FC236}">
+                <a16:creationId xmlns:a16="http://schemas.microsoft.com/office/drawing/2014/main" id="{6C5610E5-7BEF-B873-CFB3-DF9A0F6C2D91}"/>
+              </a:ext>
+            </a:extLst>
+          </p:cNvPr>
+          <p:cNvPicPr>
+            <a:picLocks noChangeAspect="1" noChangeArrowheads="1"/>
+          </p:cNvPicPr>
+          <p:nvPr/>
+        </p:nvPicPr>
+        <p:blipFill>
+          <a:blip r:embed="rId3">
+            <a:extLst>
+              <a:ext uri="{28A0092B-C50C-407E-A947-70E740481C1C}">
+                <a14:useLocalDpi xmlns:a14="http://schemas.microsoft.com/office/drawing/2010/main" val="0"/>
+              </a:ext>
+            </a:extLst>
+          </a:blip>
+          <a:srcRect/>
+          <a:stretch>
+            <a:fillRect/>
+          </a:stretch>
+        </p:blipFill>
+        <p:spPr bwMode="auto">
+          <a:xfrm>
+            <a:off x="10097578" y="866314"/>
+            <a:ext cx="532393" cy="532393"/>
+          </a:xfrm>
+          <a:prstGeom prst="rect">
+            <a:avLst/>
+          </a:prstGeom>
+          <a:noFill/>
+          <a:extLst>
+            <a:ext uri="{909E8E84-426E-40DD-AFC4-6F175D3DCCD1}">
+              <a14:hiddenFill xmlns:a14="http://schemas.microsoft.com/office/drawing/2010/main">
+                <a:solidFill>
+                  <a:srgbClr val="FFFFFF"/>
+                </a:solidFill>
+              </a14:hiddenFill>
+            </a:ext>
+          </a:extLst>
+        </p:spPr>
+      </p:pic>
+      <p:sp>
+        <p:nvSpPr>
+          <p:cNvPr id="12" name="사각형: 둥근 모서리 11">
+            <a:extLst>
+              <a:ext uri="{FF2B5EF4-FFF2-40B4-BE49-F238E27FC236}">
+                <a16:creationId xmlns:a16="http://schemas.microsoft.com/office/drawing/2014/main" id="{54491AD8-6DF9-8C04-4229-9E072F5F35BA}"/>
               </a:ext>
             </a:extLst>
           </p:cNvPr>
@@ -11104,7 +11243,7 @@
         </p:nvSpPr>
         <p:spPr>
           <a:xfrm>
-            <a:off x="544415" y="2357028"/>
+            <a:off x="8940234" y="2407195"/>
             <a:ext cx="1689737" cy="341746"/>
           </a:xfrm>
           <a:prstGeom prst="roundRect">
@@ -11134,149 +11273,37 @@
           <a:p>
             <a:pPr algn="ctr"/>
             <a:r>
-              <a:rPr lang="ko-KR" altLang="en-US">
+              <a:rPr lang="ko-KR" altLang="en-US" dirty="0">
                 <a:solidFill>
                   <a:schemeClr val="tx1"/>
                 </a:solidFill>
               </a:rPr>
               <a:t>지급기록검색</a:t>
             </a:r>
-            <a:endParaRPr lang="ko-KR" altLang="en-US" dirty="0">
-              <a:solidFill>
-                <a:schemeClr val="tx1"/>
-              </a:solidFill>
-            </a:endParaRPr>
-          </a:p>
-        </p:txBody>
-      </p:sp>
-      <p:sp>
-        <p:nvSpPr>
-          <p:cNvPr id="3" name="TextBox 2">
-            <a:extLst>
-              <a:ext uri="{FF2B5EF4-FFF2-40B4-BE49-F238E27FC236}">
-                <a16:creationId xmlns:a16="http://schemas.microsoft.com/office/drawing/2014/main" id="{7B283C15-E418-AF20-51B5-BAF0D1795DA3}"/>
-              </a:ext>
-            </a:extLst>
-          </p:cNvPr>
-          <p:cNvSpPr txBox="1"/>
+          </a:p>
+        </p:txBody>
+      </p:sp>
+      <p:sp>
+        <p:nvSpPr>
+          <p:cNvPr id="14" name="사각형: 둥근 모서리 13">
+            <a:extLst>
+              <a:ext uri="{FF2B5EF4-FFF2-40B4-BE49-F238E27FC236}">
+                <a16:creationId xmlns:a16="http://schemas.microsoft.com/office/drawing/2014/main" id="{0BA82B41-E90B-5B12-A325-D65CFF233823}"/>
+              </a:ext>
+            </a:extLst>
+          </p:cNvPr>
+          <p:cNvSpPr/>
           <p:nvPr/>
         </p:nvSpPr>
         <p:spPr>
           <a:xfrm>
-            <a:off x="11205281" y="3603486"/>
-            <a:ext cx="5546711" cy="1477328"/>
-          </a:xfrm>
-          <a:prstGeom prst="rect">
+            <a:off x="7331258" y="2407195"/>
+            <a:ext cx="1404692" cy="341746"/>
+          </a:xfrm>
+          <a:prstGeom prst="roundRect">
             <a:avLst/>
           </a:prstGeom>
           <a:noFill/>
-        </p:spPr>
-        <p:txBody>
-          <a:bodyPr wrap="none" rtlCol="0">
-            <a:spAutoFit/>
-          </a:bodyPr>
-          <a:lstStyle/>
-          <a:p>
-            <a:r>
-              <a:rPr lang="ko-KR" altLang="en-US" dirty="0"/>
-              <a:t>검색이 적용된 후 화면이다</a:t>
-            </a:r>
-            <a:r>
-              <a:rPr lang="en-US" altLang="ko-KR" dirty="0"/>
-              <a:t>.</a:t>
-            </a:r>
-          </a:p>
-          <a:p>
-            <a:r>
-              <a:rPr lang="ko-KR" altLang="en-US" dirty="0"/>
-              <a:t>검색이 적용되면 </a:t>
-            </a:r>
-            <a:r>
-              <a:rPr lang="en-US" altLang="ko-KR" dirty="0"/>
-              <a:t>‘</a:t>
-            </a:r>
-            <a:r>
-              <a:rPr lang="ko-KR" altLang="en-US" dirty="0"/>
-              <a:t>검색초기화</a:t>
-            </a:r>
-            <a:r>
-              <a:rPr lang="en-US" altLang="ko-KR" dirty="0"/>
-              <a:t>’</a:t>
-            </a:r>
-            <a:r>
-              <a:rPr lang="ko-KR" altLang="en-US" dirty="0"/>
-              <a:t>버튼이 나오게 되며</a:t>
-            </a:r>
-            <a:endParaRPr lang="en-US" altLang="ko-KR" dirty="0"/>
-          </a:p>
-          <a:p>
-            <a:r>
-              <a:rPr lang="en-US" altLang="ko-KR" dirty="0"/>
-              <a:t>‘</a:t>
-            </a:r>
-            <a:r>
-              <a:rPr lang="ko-KR" altLang="en-US" dirty="0"/>
-              <a:t>검색초기화</a:t>
-            </a:r>
-            <a:r>
-              <a:rPr lang="en-US" altLang="ko-KR" dirty="0"/>
-              <a:t>’</a:t>
-            </a:r>
-            <a:r>
-              <a:rPr lang="ko-KR" altLang="en-US" dirty="0"/>
-              <a:t>버튼을 클릭 시 커맨드가 적용되지 않은</a:t>
-            </a:r>
-            <a:endParaRPr lang="en-US" altLang="ko-KR" dirty="0"/>
-          </a:p>
-          <a:p>
-            <a:r>
-              <a:rPr lang="ko-KR" altLang="en-US" dirty="0"/>
-              <a:t>초기의 지급기록을</a:t>
-            </a:r>
-            <a:r>
-              <a:rPr lang="en-US" altLang="ko-KR" dirty="0"/>
-              <a:t> </a:t>
-            </a:r>
-            <a:r>
-              <a:rPr lang="ko-KR" altLang="en-US" dirty="0"/>
-              <a:t>보여주게 된다</a:t>
-            </a:r>
-            <a:r>
-              <a:rPr lang="en-US" altLang="ko-KR" dirty="0"/>
-              <a:t>.</a:t>
-            </a:r>
-          </a:p>
-          <a:p>
-            <a:endParaRPr lang="en-US" altLang="ko-KR" dirty="0"/>
-          </a:p>
-        </p:txBody>
-      </p:sp>
-      <p:sp>
-        <p:nvSpPr>
-          <p:cNvPr id="7" name="사각형: 둥근 모서리 6">
-            <a:extLst>
-              <a:ext uri="{FF2B5EF4-FFF2-40B4-BE49-F238E27FC236}">
-                <a16:creationId xmlns:a16="http://schemas.microsoft.com/office/drawing/2014/main" id="{CC744D4C-CF4B-4430-45C1-5A59F6199C47}"/>
-              </a:ext>
-            </a:extLst>
-          </p:cNvPr>
-          <p:cNvSpPr/>
-          <p:nvPr/>
-        </p:nvSpPr>
-        <p:spPr>
-          <a:xfrm>
-            <a:off x="2351474" y="2357028"/>
-            <a:ext cx="1404692" cy="341746"/>
-          </a:xfrm>
-          <a:prstGeom prst="roundRect">
-            <a:avLst/>
-          </a:prstGeom>
-          <a:solidFill>
-            <a:schemeClr val="accent2">
-              <a:lumMod val="40000"/>
-              <a:lumOff val="60000"/>
-            </a:schemeClr>
-          </a:solidFill>
         </p:spPr>
         <p:style>
           <a:lnRef idx="2">
@@ -11310,53 +11337,6 @@
           </a:p>
         </p:txBody>
       </p:sp>
-      <p:pic>
-        <p:nvPicPr>
-          <p:cNvPr id="2" name="Picture 4" descr="엑스 ">
-            <a:extLst>
-              <a:ext uri="{FF2B5EF4-FFF2-40B4-BE49-F238E27FC236}">
-                <a16:creationId xmlns:a16="http://schemas.microsoft.com/office/drawing/2014/main" id="{6C5610E5-7BEF-B873-CFB3-DF9A0F6C2D91}"/>
-              </a:ext>
-            </a:extLst>
-          </p:cNvPr>
-          <p:cNvPicPr>
-            <a:picLocks noChangeAspect="1" noChangeArrowheads="1"/>
-          </p:cNvPicPr>
-          <p:nvPr/>
-        </p:nvPicPr>
-        <p:blipFill>
-          <a:blip r:embed="rId3">
-            <a:extLst>
-              <a:ext uri="{28A0092B-C50C-407E-A947-70E740481C1C}">
-                <a14:useLocalDpi xmlns:a14="http://schemas.microsoft.com/office/drawing/2010/main" val="0"/>
-              </a:ext>
-            </a:extLst>
-          </a:blip>
-          <a:srcRect/>
-          <a:stretch>
-            <a:fillRect/>
-          </a:stretch>
-        </p:blipFill>
-        <p:spPr bwMode="auto">
-          <a:xfrm>
-            <a:off x="10097578" y="866314"/>
-            <a:ext cx="532393" cy="532393"/>
-          </a:xfrm>
-          <a:prstGeom prst="rect">
-            <a:avLst/>
-          </a:prstGeom>
-          <a:noFill/>
-          <a:extLst>
-            <a:ext uri="{909E8E84-426E-40DD-AFC4-6F175D3DCCD1}">
-              <a14:hiddenFill xmlns:a14="http://schemas.microsoft.com/office/drawing/2010/main">
-                <a:solidFill>
-                  <a:srgbClr val="FFFFFF"/>
-                </a:solidFill>
-              </a14:hiddenFill>
-            </a:ext>
-          </a:extLst>
-        </p:spPr>
-      </p:pic>
     </p:spTree>
     <p:extLst>
       <p:ext uri="{BB962C8B-B14F-4D97-AF65-F5344CB8AC3E}">

--- a/project1_ppt/연봉, 급여, 보너스_지급예정일수정 삭제+연봉UI수정ver.pptx
+++ b/project1_ppt/연봉, 급여, 보너스_지급예정일수정 삭제+연봉UI수정ver.pptx
@@ -203,7 +203,7 @@
           <a:p>
             <a:fld id="{4101E1FB-7C29-4BE4-8539-31DEB133CF51}" type="datetimeFigureOut">
               <a:rPr lang="ko-KR" altLang="en-US" smtClean="0"/>
-              <a:t>2025-10-23</a:t>
+              <a:t>2025-10-24</a:t>
             </a:fld>
             <a:endParaRPr lang="ko-KR" altLang="en-US"/>
           </a:p>
@@ -1061,7 +1061,7 @@
           <a:p>
             <a:fld id="{89DA80E3-BAB3-4786-852E-ECC3BED61E68}" type="datetimeFigureOut">
               <a:rPr lang="ko-KR" altLang="en-US" smtClean="0"/>
-              <a:t>2025-10-23</a:t>
+              <a:t>2025-10-24</a:t>
             </a:fld>
             <a:endParaRPr lang="ko-KR" altLang="en-US"/>
           </a:p>
@@ -1259,7 +1259,7 @@
           <a:p>
             <a:fld id="{89DA80E3-BAB3-4786-852E-ECC3BED61E68}" type="datetimeFigureOut">
               <a:rPr lang="ko-KR" altLang="en-US" smtClean="0"/>
-              <a:t>2025-10-23</a:t>
+              <a:t>2025-10-24</a:t>
             </a:fld>
             <a:endParaRPr lang="ko-KR" altLang="en-US"/>
           </a:p>
@@ -1467,7 +1467,7 @@
           <a:p>
             <a:fld id="{89DA80E3-BAB3-4786-852E-ECC3BED61E68}" type="datetimeFigureOut">
               <a:rPr lang="ko-KR" altLang="en-US" smtClean="0"/>
-              <a:t>2025-10-23</a:t>
+              <a:t>2025-10-24</a:t>
             </a:fld>
             <a:endParaRPr lang="ko-KR" altLang="en-US"/>
           </a:p>
@@ -1665,7 +1665,7 @@
           <a:p>
             <a:fld id="{89DA80E3-BAB3-4786-852E-ECC3BED61E68}" type="datetimeFigureOut">
               <a:rPr lang="ko-KR" altLang="en-US" smtClean="0"/>
-              <a:t>2025-10-23</a:t>
+              <a:t>2025-10-24</a:t>
             </a:fld>
             <a:endParaRPr lang="ko-KR" altLang="en-US"/>
           </a:p>
@@ -1940,7 +1940,7 @@
           <a:p>
             <a:fld id="{89DA80E3-BAB3-4786-852E-ECC3BED61E68}" type="datetimeFigureOut">
               <a:rPr lang="ko-KR" altLang="en-US" smtClean="0"/>
-              <a:t>2025-10-23</a:t>
+              <a:t>2025-10-24</a:t>
             </a:fld>
             <a:endParaRPr lang="ko-KR" altLang="en-US"/>
           </a:p>
@@ -2205,7 +2205,7 @@
           <a:p>
             <a:fld id="{89DA80E3-BAB3-4786-852E-ECC3BED61E68}" type="datetimeFigureOut">
               <a:rPr lang="ko-KR" altLang="en-US" smtClean="0"/>
-              <a:t>2025-10-23</a:t>
+              <a:t>2025-10-24</a:t>
             </a:fld>
             <a:endParaRPr lang="ko-KR" altLang="en-US"/>
           </a:p>
@@ -2617,7 +2617,7 @@
           <a:p>
             <a:fld id="{89DA80E3-BAB3-4786-852E-ECC3BED61E68}" type="datetimeFigureOut">
               <a:rPr lang="ko-KR" altLang="en-US" smtClean="0"/>
-              <a:t>2025-10-23</a:t>
+              <a:t>2025-10-24</a:t>
             </a:fld>
             <a:endParaRPr lang="ko-KR" altLang="en-US"/>
           </a:p>
@@ -2758,7 +2758,7 @@
           <a:p>
             <a:fld id="{89DA80E3-BAB3-4786-852E-ECC3BED61E68}" type="datetimeFigureOut">
               <a:rPr lang="ko-KR" altLang="en-US" smtClean="0"/>
-              <a:t>2025-10-23</a:t>
+              <a:t>2025-10-24</a:t>
             </a:fld>
             <a:endParaRPr lang="ko-KR" altLang="en-US"/>
           </a:p>
@@ -2871,7 +2871,7 @@
           <a:p>
             <a:fld id="{89DA80E3-BAB3-4786-852E-ECC3BED61E68}" type="datetimeFigureOut">
               <a:rPr lang="ko-KR" altLang="en-US" smtClean="0"/>
-              <a:t>2025-10-23</a:t>
+              <a:t>2025-10-24</a:t>
             </a:fld>
             <a:endParaRPr lang="ko-KR" altLang="en-US"/>
           </a:p>
@@ -3182,7 +3182,7 @@
           <a:p>
             <a:fld id="{89DA80E3-BAB3-4786-852E-ECC3BED61E68}" type="datetimeFigureOut">
               <a:rPr lang="ko-KR" altLang="en-US" smtClean="0"/>
-              <a:t>2025-10-23</a:t>
+              <a:t>2025-10-24</a:t>
             </a:fld>
             <a:endParaRPr lang="ko-KR" altLang="en-US"/>
           </a:p>
@@ -3470,7 +3470,7 @@
           <a:p>
             <a:fld id="{89DA80E3-BAB3-4786-852E-ECC3BED61E68}" type="datetimeFigureOut">
               <a:rPr lang="ko-KR" altLang="en-US" smtClean="0"/>
-              <a:t>2025-10-23</a:t>
+              <a:t>2025-10-24</a:t>
             </a:fld>
             <a:endParaRPr lang="ko-KR" altLang="en-US"/>
           </a:p>
@@ -3711,7 +3711,7 @@
           <a:p>
             <a:fld id="{89DA80E3-BAB3-4786-852E-ECC3BED61E68}" type="datetimeFigureOut">
               <a:rPr lang="ko-KR" altLang="en-US" smtClean="0"/>
-              <a:t>2025-10-23</a:t>
+              <a:t>2025-10-24</a:t>
             </a:fld>
             <a:endParaRPr lang="ko-KR" altLang="en-US"/>
           </a:p>
@@ -10174,8 +10174,8 @@
         </p:nvSpPr>
         <p:spPr>
           <a:xfrm>
-            <a:off x="1278216" y="1498445"/>
-            <a:ext cx="10144124" cy="2308324"/>
+            <a:off x="1051461" y="1466996"/>
+            <a:ext cx="10357323" cy="2169825"/>
           </a:xfrm>
           <a:prstGeom prst="rect">
             <a:avLst/>
@@ -10189,224 +10189,283 @@
           <a:lstStyle/>
           <a:p>
             <a:r>
-              <a:rPr lang="ko-KR" altLang="en-US" dirty="0"/>
+              <a:rPr lang="ko-KR" altLang="en-US" sz="1500" dirty="0"/>
               <a:t>■검색 방법</a:t>
             </a:r>
-            <a:endParaRPr lang="en-US" altLang="ko-KR" dirty="0"/>
-          </a:p>
-          <a:p>
-            <a:r>
-              <a:rPr lang="en-US" altLang="ko-KR" dirty="0"/>
+            <a:endParaRPr lang="en-US" altLang="ko-KR" sz="1500" dirty="0"/>
+          </a:p>
+          <a:p>
+            <a:r>
+              <a:rPr lang="en-US" altLang="ko-KR" sz="1500" dirty="0"/>
               <a:t>* </a:t>
             </a:r>
             <a:r>
-              <a:rPr lang="ko-KR" altLang="en-US" dirty="0" err="1"/>
+              <a:rPr lang="ko-KR" altLang="en-US" sz="1500" dirty="0" err="1"/>
               <a:t>컬럼명</a:t>
             </a:r>
             <a:r>
-              <a:rPr lang="en-US" altLang="ko-KR" dirty="0"/>
+              <a:rPr lang="en-US" altLang="ko-KR" sz="1500" dirty="0"/>
               <a:t>_</a:t>
             </a:r>
             <a:r>
-              <a:rPr lang="ko-KR" altLang="en-US" dirty="0"/>
+              <a:rPr lang="ko-KR" altLang="en-US" sz="1500" dirty="0"/>
               <a:t>값</a:t>
             </a:r>
             <a:r>
-              <a:rPr lang="en-US" altLang="ko-KR" dirty="0"/>
+              <a:rPr lang="en-US" altLang="ko-KR" sz="1500" dirty="0"/>
               <a:t>1~</a:t>
             </a:r>
             <a:r>
-              <a:rPr lang="ko-KR" altLang="en-US" dirty="0"/>
+              <a:rPr lang="ko-KR" altLang="en-US" sz="1500" dirty="0"/>
               <a:t>값</a:t>
             </a:r>
             <a:r>
-              <a:rPr lang="en-US" altLang="ko-KR" dirty="0"/>
+              <a:rPr lang="en-US" altLang="ko-KR" sz="1500" dirty="0"/>
               <a:t>2,</a:t>
             </a:r>
             <a:r>
-              <a:rPr lang="ko-KR" altLang="en-US" dirty="0" err="1"/>
+              <a:rPr lang="ko-KR" altLang="en-US" sz="1500" dirty="0" err="1"/>
               <a:t>컬럼명</a:t>
             </a:r>
             <a:r>
-              <a:rPr lang="en-US" altLang="ko-KR" dirty="0"/>
+              <a:rPr lang="en-US" altLang="ko-KR" sz="1500" dirty="0"/>
               <a:t>_</a:t>
             </a:r>
             <a:r>
-              <a:rPr lang="ko-KR" altLang="en-US" dirty="0"/>
+              <a:rPr lang="ko-KR" altLang="en-US" sz="1500" dirty="0"/>
               <a:t>값</a:t>
             </a:r>
             <a:r>
-              <a:rPr lang="en-US" altLang="ko-KR" dirty="0"/>
+              <a:rPr lang="en-US" altLang="ko-KR" sz="1500" dirty="0"/>
               <a:t>1</a:t>
             </a:r>
             <a:br>
-              <a:rPr lang="en-US" altLang="ko-KR" dirty="0"/>
+              <a:rPr lang="en-US" altLang="ko-KR" sz="1500" dirty="0"/>
             </a:br>
             <a:r>
-              <a:rPr lang="ko-KR" altLang="en-US" dirty="0"/>
+              <a:rPr lang="ko-KR" altLang="en-US" sz="1500" dirty="0"/>
               <a:t>이런 식으로 검색합니다</a:t>
             </a:r>
             <a:r>
-              <a:rPr lang="en-US" altLang="ko-KR" dirty="0"/>
+              <a:rPr lang="en-US" altLang="ko-KR" sz="1500" dirty="0"/>
               <a:t>.</a:t>
             </a:r>
           </a:p>
           <a:p>
             <a:r>
-              <a:rPr lang="en-US" altLang="ko-KR" dirty="0"/>
+              <a:rPr lang="en-US" altLang="ko-KR" sz="1500" dirty="0"/>
               <a:t>ex) </a:t>
             </a:r>
             <a:r>
-              <a:rPr lang="ko-KR" altLang="en-US" dirty="0"/>
+              <a:rPr lang="ko-KR" altLang="en-US" sz="1500" dirty="0"/>
               <a:t>지급날짜</a:t>
             </a:r>
             <a:r>
-              <a:rPr lang="en-US" altLang="ko-KR" dirty="0"/>
+              <a:rPr lang="en-US" altLang="ko-KR" sz="1500" dirty="0"/>
               <a:t>_2025-08-01~2025-10-31,</a:t>
             </a:r>
             <a:r>
-              <a:rPr lang="ko-KR" altLang="en-US" dirty="0"/>
-              <a:t>기본시급</a:t>
-            </a:r>
-            <a:r>
-              <a:rPr lang="en-US" altLang="ko-KR" dirty="0"/>
-              <a:t>_30000~40000</a:t>
-            </a:r>
-          </a:p>
-          <a:p>
-            <a:endParaRPr lang="en-US" altLang="ko-KR" dirty="0"/>
-          </a:p>
-          <a:p>
-            <a:r>
-              <a:rPr lang="en-US" altLang="ko-KR" dirty="0"/>
+              <a:rPr lang="ko-KR" altLang="en-US" sz="1500" dirty="0"/>
+              <a:t> 월급</a:t>
+            </a:r>
+            <a:r>
+              <a:rPr lang="en-US" altLang="ko-KR" sz="1500" dirty="0"/>
+              <a:t>_4000000~5000000</a:t>
+            </a:r>
+          </a:p>
+          <a:p>
+            <a:endParaRPr lang="en-US" altLang="ko-KR" sz="1500" dirty="0"/>
+          </a:p>
+          <a:p>
+            <a:r>
+              <a:rPr lang="en-US" altLang="ko-KR" sz="1500" dirty="0"/>
               <a:t>*</a:t>
             </a:r>
             <a:r>
-              <a:rPr lang="ko-KR" altLang="en-US" dirty="0"/>
-              <a:t>이름은 </a:t>
-            </a:r>
-            <a:r>
-              <a:rPr lang="en-US" altLang="ko-KR" dirty="0"/>
-              <a:t>~</a:t>
-            </a:r>
-            <a:r>
-              <a:rPr lang="ko-KR" altLang="en-US" dirty="0"/>
-              <a:t>을 사용해서 범위를 탐색하는 것이 아닌 </a:t>
-            </a:r>
-            <a:r>
-              <a:rPr lang="en-US" altLang="ko-KR" dirty="0"/>
+              <a:rPr lang="ko-KR" altLang="en-US" sz="1500" dirty="0"/>
+              <a:t>이름 검색 방법</a:t>
+            </a:r>
+            <a:endParaRPr lang="en-US" altLang="ko-KR" sz="1500"/>
+          </a:p>
+          <a:p>
+            <a:r>
+              <a:rPr lang="en-US" altLang="ko-KR" sz="1500"/>
+              <a:t>ex</a:t>
+            </a:r>
+            <a:r>
+              <a:rPr lang="en-US" altLang="ko-KR" sz="1500" dirty="0"/>
+              <a:t>) </a:t>
+            </a:r>
+            <a:r>
+              <a:rPr lang="ko-KR" altLang="en-US" sz="1500" dirty="0"/>
+              <a:t>이름</a:t>
+            </a:r>
+            <a:r>
+              <a:rPr lang="en-US" altLang="ko-KR" sz="1500" dirty="0"/>
+              <a:t>_</a:t>
+            </a:r>
+            <a:r>
+              <a:rPr lang="ko-KR" altLang="en-US" sz="1500" dirty="0"/>
+              <a:t>현</a:t>
+            </a:r>
+            <a:r>
+              <a:rPr lang="en-US" altLang="ko-KR" sz="1500" dirty="0"/>
+              <a:t>,</a:t>
+            </a:r>
+            <a:r>
+              <a:rPr lang="ko-KR" altLang="en-US" sz="1500" dirty="0"/>
+              <a:t>사번</a:t>
+            </a:r>
+            <a:r>
+              <a:rPr lang="en-US" altLang="ko-KR" sz="1500" dirty="0"/>
+              <a:t>_1~200</a:t>
+            </a:r>
+            <a:r>
+              <a:rPr lang="ko-KR" altLang="en-US" sz="1500" dirty="0"/>
+              <a:t> </a:t>
+            </a:r>
+            <a:r>
+              <a:rPr lang="en-US" altLang="ko-KR" sz="1500" dirty="0"/>
+              <a:t>-&gt; </a:t>
+            </a:r>
+            <a:r>
+              <a:rPr lang="ko-KR" altLang="en-US" sz="1500" dirty="0"/>
+              <a:t>박현빈</a:t>
+            </a:r>
+            <a:r>
+              <a:rPr lang="en-US" altLang="ko-KR" sz="1500" dirty="0"/>
+              <a:t>, </a:t>
+            </a:r>
+            <a:r>
+              <a:rPr lang="ko-KR" altLang="en-US" sz="1500" dirty="0" err="1"/>
+              <a:t>현주선</a:t>
+            </a:r>
+            <a:r>
+              <a:rPr lang="en-US" altLang="ko-KR" sz="1500" dirty="0"/>
+              <a:t>, </a:t>
+            </a:r>
+            <a:r>
+              <a:rPr lang="ko-KR" altLang="en-US" sz="1500" dirty="0"/>
+              <a:t>이주현 등 출력</a:t>
+            </a:r>
+            <a:endParaRPr lang="en-US" altLang="ko-KR" sz="1500" dirty="0"/>
+          </a:p>
+          <a:p>
+            <a:r>
+              <a:rPr lang="en-US" altLang="ko-KR" sz="1500" dirty="0"/>
+              <a:t>ex) </a:t>
+            </a:r>
+            <a:r>
+              <a:rPr lang="ko-KR" altLang="en-US" sz="1500" dirty="0"/>
+              <a:t>이름</a:t>
+            </a:r>
+            <a:r>
+              <a:rPr lang="en-US" altLang="ko-KR" sz="1500" dirty="0"/>
+              <a:t>_</a:t>
+            </a:r>
+            <a:r>
+              <a:rPr lang="ko-KR" altLang="en-US" sz="1500" dirty="0"/>
+              <a:t>현주 </a:t>
+            </a:r>
+            <a:r>
+              <a:rPr lang="en-US" altLang="ko-KR" sz="1500" dirty="0"/>
+              <a:t>-&gt; </a:t>
+            </a:r>
+            <a:r>
+              <a:rPr lang="ko-KR" altLang="en-US" sz="1500" dirty="0" err="1"/>
+              <a:t>현주선</a:t>
+            </a:r>
+            <a:r>
+              <a:rPr lang="en-US" altLang="ko-KR" sz="1500" dirty="0"/>
+              <a:t>, </a:t>
+            </a:r>
+            <a:r>
+              <a:rPr lang="ko-KR" altLang="en-US" sz="1500" dirty="0"/>
+              <a:t>박현주</a:t>
+            </a:r>
+            <a:r>
+              <a:rPr lang="en-US" altLang="ko-KR" sz="1500" dirty="0"/>
+              <a:t>, </a:t>
+            </a:r>
+            <a:r>
+              <a:rPr lang="ko-KR" altLang="en-US" sz="1500" dirty="0"/>
+              <a:t>현주원 등 출력</a:t>
+            </a:r>
+            <a:endParaRPr lang="en-US" altLang="ko-KR" sz="1500" dirty="0"/>
+          </a:p>
+          <a:p>
+            <a:r>
+              <a:rPr lang="ko-KR" altLang="en-US" sz="1500" dirty="0"/>
+              <a:t>사번</a:t>
+            </a:r>
+            <a:r>
+              <a:rPr lang="en-US" altLang="ko-KR" sz="1500" dirty="0"/>
+              <a:t>, </a:t>
+            </a:r>
+            <a:r>
+              <a:rPr lang="ko-KR" altLang="en-US" sz="1500" dirty="0"/>
+              <a:t>이름</a:t>
+            </a:r>
+            <a:r>
+              <a:rPr lang="en-US" altLang="ko-KR" sz="1500" dirty="0"/>
+              <a:t>, </a:t>
+            </a:r>
+            <a:r>
+              <a:rPr lang="ko-KR" altLang="en-US" sz="1500" dirty="0"/>
+              <a:t>지급날짜</a:t>
+            </a:r>
+            <a:r>
+              <a:rPr lang="en-US" altLang="ko-KR" sz="1500" dirty="0"/>
+              <a:t>, </a:t>
+            </a:r>
+            <a:r>
+              <a:rPr lang="ko-KR" altLang="en-US" sz="1500" dirty="0"/>
+              <a:t>월급</a:t>
+            </a:r>
+            <a:r>
+              <a:rPr lang="en-US" altLang="ko-KR" sz="1500" dirty="0"/>
+              <a:t>(</a:t>
+            </a:r>
+            <a:r>
+              <a:rPr lang="ko-KR" altLang="en-US" sz="1500" dirty="0" err="1"/>
+              <a:t>세전</a:t>
+            </a:r>
+            <a:r>
+              <a:rPr lang="en-US" altLang="ko-KR" sz="1500" dirty="0"/>
+              <a:t>), </a:t>
+            </a:r>
+            <a:r>
+              <a:rPr lang="ko-KR" altLang="en-US" sz="1500" dirty="0"/>
+              <a:t>보너스 컬럼만 최대 </a:t>
+            </a:r>
+            <a:r>
+              <a:rPr lang="en-US" altLang="ko-KR" sz="1500" dirty="0"/>
+              <a:t>3</a:t>
+            </a:r>
+            <a:r>
+              <a:rPr lang="ko-KR" altLang="en-US" sz="1500" dirty="0"/>
+              <a:t>개까지 조건 검색이 가능합니다</a:t>
+            </a:r>
+            <a:r>
+              <a:rPr lang="en-US" altLang="ko-KR" sz="1500" dirty="0"/>
+              <a:t>. (,</a:t>
+            </a:r>
+            <a:r>
+              <a:rPr lang="ko-KR" altLang="en-US" sz="1500" dirty="0"/>
+              <a:t>를 </a:t>
+            </a:r>
+            <a:r>
+              <a:rPr lang="en-US" altLang="ko-KR" sz="1500" dirty="0"/>
               <a:t>2</a:t>
             </a:r>
             <a:r>
-              <a:rPr lang="ko-KR" altLang="en-US" dirty="0"/>
-              <a:t>글자 이하일 때 포함하는 이름을 불러옵니다</a:t>
-            </a:r>
-            <a:r>
-              <a:rPr lang="en-US" altLang="ko-KR" dirty="0"/>
-              <a:t>.</a:t>
-            </a:r>
-          </a:p>
-          <a:p>
-            <a:r>
-              <a:rPr lang="en-US" altLang="ko-KR" dirty="0"/>
-              <a:t>ex) </a:t>
-            </a:r>
-            <a:r>
-              <a:rPr lang="ko-KR" altLang="en-US" dirty="0"/>
-              <a:t>이름</a:t>
-            </a:r>
-            <a:r>
-              <a:rPr lang="en-US" altLang="ko-KR" dirty="0"/>
-              <a:t>_</a:t>
-            </a:r>
-            <a:r>
-              <a:rPr lang="ko-KR" altLang="en-US" dirty="0"/>
-              <a:t>현</a:t>
-            </a:r>
-            <a:r>
-              <a:rPr lang="en-US" altLang="ko-KR" dirty="0"/>
-              <a:t>,</a:t>
-            </a:r>
-            <a:r>
-              <a:rPr lang="ko-KR" altLang="en-US" dirty="0"/>
-              <a:t>사번</a:t>
-            </a:r>
-            <a:r>
-              <a:rPr lang="en-US" altLang="ko-KR" dirty="0"/>
-              <a:t>_1~200</a:t>
-            </a:r>
-            <a:r>
-              <a:rPr lang="ko-KR" altLang="en-US" dirty="0"/>
-              <a:t> </a:t>
-            </a:r>
-            <a:r>
-              <a:rPr lang="en-US" altLang="ko-KR" dirty="0"/>
-              <a:t>-&gt; </a:t>
-            </a:r>
-            <a:r>
-              <a:rPr lang="ko-KR" altLang="en-US" dirty="0"/>
-              <a:t>박현빈</a:t>
-            </a:r>
-            <a:r>
-              <a:rPr lang="en-US" altLang="ko-KR" dirty="0"/>
-              <a:t>, </a:t>
-            </a:r>
-            <a:r>
-              <a:rPr lang="ko-KR" altLang="en-US" dirty="0" err="1"/>
-              <a:t>현주선</a:t>
-            </a:r>
-            <a:r>
-              <a:rPr lang="en-US" altLang="ko-KR" dirty="0"/>
-              <a:t>, </a:t>
-            </a:r>
-            <a:r>
-              <a:rPr lang="ko-KR" altLang="en-US" dirty="0"/>
-              <a:t>이주현 등 출력</a:t>
-            </a:r>
-            <a:endParaRPr lang="en-US" altLang="ko-KR" dirty="0"/>
-          </a:p>
-          <a:p>
-            <a:r>
-              <a:rPr lang="en-US" altLang="ko-KR" dirty="0"/>
-              <a:t>ex) </a:t>
-            </a:r>
-            <a:r>
-              <a:rPr lang="ko-KR" altLang="en-US" dirty="0"/>
-              <a:t>이름</a:t>
-            </a:r>
-            <a:r>
-              <a:rPr lang="en-US" altLang="ko-KR" dirty="0"/>
-              <a:t>_</a:t>
-            </a:r>
-            <a:r>
-              <a:rPr lang="ko-KR" altLang="en-US" dirty="0"/>
-              <a:t>현주 </a:t>
-            </a:r>
-            <a:r>
-              <a:rPr lang="en-US" altLang="ko-KR" dirty="0"/>
-              <a:t>-&gt; </a:t>
-            </a:r>
-            <a:r>
-              <a:rPr lang="ko-KR" altLang="en-US" dirty="0" err="1"/>
-              <a:t>현주선</a:t>
-            </a:r>
-            <a:r>
-              <a:rPr lang="en-US" altLang="ko-KR" dirty="0"/>
-              <a:t>, </a:t>
-            </a:r>
-            <a:r>
-              <a:rPr lang="ko-KR" altLang="en-US" dirty="0"/>
-              <a:t>박현주</a:t>
-            </a:r>
-            <a:r>
-              <a:rPr lang="en-US" altLang="ko-KR" dirty="0"/>
-              <a:t>, </a:t>
-            </a:r>
-            <a:r>
-              <a:rPr lang="ko-KR" altLang="en-US" dirty="0"/>
-              <a:t>현주원 등 출력</a:t>
-            </a:r>
-            <a:endParaRPr lang="en-US" altLang="ko-KR" dirty="0"/>
+              <a:rPr lang="ko-KR" altLang="en-US" sz="1500" dirty="0"/>
+              <a:t>번 사용하여 검색하는 것</a:t>
+            </a:r>
+            <a:r>
+              <a:rPr lang="en-US" altLang="ko-KR" sz="1500" dirty="0"/>
+              <a:t>)</a:t>
+            </a:r>
           </a:p>
         </p:txBody>
       </p:sp>
